--- a/SAF/Documentación del proyecto/SAF (Sistema de apto físico).pptx
+++ b/SAF/Documentación del proyecto/SAF (Sistema de apto físico).pptx
@@ -8,6 +8,14 @@
     <p:sldId id="256" r:id="rId2"/>
     <p:sldId id="257" r:id="rId3"/>
     <p:sldId id="258" r:id="rId4"/>
+    <p:sldId id="259" r:id="rId5"/>
+    <p:sldId id="260" r:id="rId6"/>
+    <p:sldId id="261" r:id="rId7"/>
+    <p:sldId id="262" r:id="rId8"/>
+    <p:sldId id="263" r:id="rId9"/>
+    <p:sldId id="264" r:id="rId10"/>
+    <p:sldId id="265" r:id="rId11"/>
+    <p:sldId id="266" r:id="rId12"/>
   </p:sldIdLst>
   <p:sldSz cx="12192000" cy="6858000"/>
   <p:notesSz cx="6858000" cy="9144000"/>
@@ -106,6 +114,11 @@
       </a:defRPr>
     </a:lvl9pPr>
   </p:defaultTextStyle>
+  <p:extLst>
+    <p:ext uri="{EFAFB233-063F-42B5-8137-9DF3F51BA10A}">
+      <p15:sldGuideLst xmlns:p15="http://schemas.microsoft.com/office/powerpoint/2012/main"/>
+    </p:ext>
+  </p:extLst>
 </p:presentation>
 </file>
 
@@ -4291,7 +4304,7 @@
           </a:lstStyle>
           <a:p>
             <a:r>
-              <a:rPr lang="es-ES" smtClean="0"/>
+              <a:rPr lang="es-ES"/>
               <a:t>Haga clic para modificar el estilo de título del patrón</a:t>
             </a:r>
             <a:endParaRPr lang="en-US" dirty="0"/>
@@ -4362,7 +4375,7 @@
           </a:lstStyle>
           <a:p>
             <a:r>
-              <a:rPr lang="es-ES" smtClean="0"/>
+              <a:rPr lang="es-ES"/>
               <a:t>Haga clic para modificar el estilo de subtítulo del patrón</a:t>
             </a:r>
             <a:endParaRPr lang="en-US" dirty="0"/>
@@ -4391,7 +4404,7 @@
           <a:p>
             <a:fld id="{48A87A34-81AB-432B-8DAE-1953F412C126}" type="datetimeFigureOut">
               <a:rPr lang="en-US" dirty="0"/>
-              <a:t>10/23/2018</a:t>
+              <a:t>10/24/2018</a:t>
             </a:fld>
             <a:endParaRPr lang="en-US" dirty="0"/>
           </a:p>
@@ -4501,7 +4514,7 @@
           </a:lstStyle>
           <a:p>
             <a:r>
-              <a:rPr lang="es-ES" smtClean="0"/>
+              <a:rPr lang="es-ES"/>
               <a:t>Haga clic para modificar el estilo de título del patrón</a:t>
             </a:r>
             <a:endParaRPr lang="en-US" dirty="0"/>
@@ -4562,7 +4575,7 @@
               <a:buNone/>
             </a:pPr>
             <a:r>
-              <a:rPr lang="es-ES" smtClean="0"/>
+              <a:rPr lang="es-ES"/>
               <a:t>Haga clic en el icono para agregar una imagen</a:t>
             </a:r>
             <a:endParaRPr lang="en-US" dirty="0"/>
@@ -4630,7 +4643,7 @@
           <a:p>
             <a:pPr lvl="0"/>
             <a:r>
-              <a:rPr lang="es-ES" smtClean="0"/>
+              <a:rPr lang="es-ES"/>
               <a:t>Haga clic para modificar el estilo de texto del patrón</a:t>
             </a:r>
           </a:p>
@@ -4653,7 +4666,7 @@
           <a:p>
             <a:fld id="{48A87A34-81AB-432B-8DAE-1953F412C126}" type="datetimeFigureOut">
               <a:rPr lang="en-US" dirty="0"/>
-              <a:t>10/23/2018</a:t>
+              <a:t>10/24/2018</a:t>
             </a:fld>
             <a:endParaRPr lang="en-US" dirty="0"/>
           </a:p>
@@ -4753,7 +4766,7 @@
           </a:lstStyle>
           <a:p>
             <a:r>
-              <a:rPr lang="es-ES" smtClean="0"/>
+              <a:rPr lang="es-ES"/>
               <a:t>Haga clic para modificar el estilo de título del patrón</a:t>
             </a:r>
             <a:endParaRPr lang="en-US" dirty="0"/>
@@ -4821,7 +4834,7 @@
           <a:p>
             <a:pPr lvl="0"/>
             <a:r>
-              <a:rPr lang="es-ES" smtClean="0"/>
+              <a:rPr lang="es-ES"/>
               <a:t>Haga clic para modificar el estilo de texto del patrón</a:t>
             </a:r>
           </a:p>
@@ -4844,7 +4857,7 @@
           <a:p>
             <a:fld id="{48A87A34-81AB-432B-8DAE-1953F412C126}" type="datetimeFigureOut">
               <a:rPr lang="en-US" dirty="0"/>
-              <a:t>10/23/2018</a:t>
+              <a:t>10/24/2018</a:t>
             </a:fld>
             <a:endParaRPr lang="en-US" dirty="0"/>
           </a:p>
@@ -4944,7 +4957,7 @@
           </a:lstStyle>
           <a:p>
             <a:r>
-              <a:rPr lang="es-ES" smtClean="0"/>
+              <a:rPr lang="es-ES"/>
               <a:t>Haga clic para modificar el estilo de título del patrón</a:t>
             </a:r>
             <a:endParaRPr lang="en-US" dirty="0"/>
@@ -5012,7 +5025,7 @@
           <a:p>
             <a:pPr lvl="0"/>
             <a:r>
-              <a:rPr lang="es-ES" smtClean="0"/>
+              <a:rPr lang="es-ES"/>
               <a:t>Haga clic para modificar el estilo de texto del patrón</a:t>
             </a:r>
           </a:p>
@@ -5079,7 +5092,7 @@
           <a:p>
             <a:pPr lvl="0"/>
             <a:r>
-              <a:rPr lang="es-ES" smtClean="0"/>
+              <a:rPr lang="es-ES"/>
               <a:t>Haga clic para modificar el estilo de texto del patrón</a:t>
             </a:r>
           </a:p>
@@ -5102,7 +5115,7 @@
           <a:p>
             <a:fld id="{48A87A34-81AB-432B-8DAE-1953F412C126}" type="datetimeFigureOut">
               <a:rPr lang="en-US" dirty="0"/>
-              <a:t>10/23/2018</a:t>
+              <a:t>10/24/2018</a:t>
             </a:fld>
             <a:endParaRPr lang="en-US" dirty="0"/>
           </a:p>
@@ -5440,7 +5453,7 @@
           </a:lstStyle>
           <a:p>
             <a:r>
-              <a:rPr lang="es-ES" smtClean="0"/>
+              <a:rPr lang="es-ES"/>
               <a:t>Haga clic para modificar el estilo de título del patrón</a:t>
             </a:r>
             <a:endParaRPr lang="en-US" dirty="0"/>
@@ -5508,7 +5521,7 @@
           <a:p>
             <a:pPr lvl="0"/>
             <a:r>
-              <a:rPr lang="es-ES" smtClean="0"/>
+              <a:rPr lang="es-ES"/>
               <a:t>Haga clic para modificar el estilo de texto del patrón</a:t>
             </a:r>
           </a:p>
@@ -5531,7 +5544,7 @@
           <a:p>
             <a:fld id="{48A87A34-81AB-432B-8DAE-1953F412C126}" type="datetimeFigureOut">
               <a:rPr lang="en-US" dirty="0"/>
-              <a:t>10/23/2018</a:t>
+              <a:t>10/24/2018</a:t>
             </a:fld>
             <a:endParaRPr lang="en-US" dirty="0"/>
           </a:p>
@@ -5625,7 +5638,7 @@
           <a:lstStyle/>
           <a:p>
             <a:r>
-              <a:rPr lang="es-ES" smtClean="0"/>
+              <a:rPr lang="es-ES"/>
               <a:t>Haga clic para modificar el estilo de título del patrón</a:t>
             </a:r>
             <a:endParaRPr lang="en-US" dirty="0"/>
@@ -5700,7 +5713,7 @@
           <a:p>
             <a:pPr lvl="0"/>
             <a:r>
-              <a:rPr lang="es-ES" smtClean="0"/>
+              <a:rPr lang="es-ES"/>
               <a:t>Haga clic para modificar el estilo de texto del patrón</a:t>
             </a:r>
           </a:p>
@@ -5767,7 +5780,7 @@
           <a:p>
             <a:pPr lvl="0"/>
             <a:r>
-              <a:rPr lang="es-ES" smtClean="0"/>
+              <a:rPr lang="es-ES"/>
               <a:t>Haga clic para modificar el estilo de texto del patrón</a:t>
             </a:r>
           </a:p>
@@ -5841,7 +5854,7 @@
           <a:p>
             <a:pPr lvl="0"/>
             <a:r>
-              <a:rPr lang="es-ES" smtClean="0"/>
+              <a:rPr lang="es-ES"/>
               <a:t>Haga clic para modificar el estilo de texto del patrón</a:t>
             </a:r>
           </a:p>
@@ -5908,7 +5921,7 @@
           <a:p>
             <a:pPr lvl="0"/>
             <a:r>
-              <a:rPr lang="es-ES" smtClean="0"/>
+              <a:rPr lang="es-ES"/>
               <a:t>Haga clic para modificar el estilo de texto del patrón</a:t>
             </a:r>
           </a:p>
@@ -5982,7 +5995,7 @@
           <a:p>
             <a:pPr lvl="0"/>
             <a:r>
-              <a:rPr lang="es-ES" smtClean="0"/>
+              <a:rPr lang="es-ES"/>
               <a:t>Haga clic para modificar el estilo de texto del patrón</a:t>
             </a:r>
           </a:p>
@@ -6049,7 +6062,7 @@
           <a:p>
             <a:pPr lvl="0"/>
             <a:r>
-              <a:rPr lang="es-ES" smtClean="0"/>
+              <a:rPr lang="es-ES"/>
               <a:t>Haga clic para modificar el estilo de texto del patrón</a:t>
             </a:r>
           </a:p>
@@ -6072,7 +6085,7 @@
           <a:p>
             <a:fld id="{48A87A34-81AB-432B-8DAE-1953F412C126}" type="datetimeFigureOut">
               <a:rPr lang="en-US" dirty="0"/>
-              <a:t>10/23/2018</a:t>
+              <a:t>10/24/2018</a:t>
             </a:fld>
             <a:endParaRPr lang="en-US" dirty="0"/>
           </a:p>
@@ -6166,7 +6179,7 @@
           <a:lstStyle/>
           <a:p>
             <a:r>
-              <a:rPr lang="es-ES" smtClean="0"/>
+              <a:rPr lang="es-ES"/>
               <a:t>Haga clic para modificar el estilo de título del patrón</a:t>
             </a:r>
             <a:endParaRPr lang="en-US" dirty="0"/>
@@ -6241,7 +6254,7 @@
           <a:p>
             <a:pPr lvl="0"/>
             <a:r>
-              <a:rPr lang="es-ES" smtClean="0"/>
+              <a:rPr lang="es-ES"/>
               <a:t>Haga clic para modificar el estilo de texto del patrón</a:t>
             </a:r>
           </a:p>
@@ -6298,7 +6311,7 @@
               <a:buNone/>
             </a:pPr>
             <a:r>
-              <a:rPr lang="es-ES" smtClean="0"/>
+              <a:rPr lang="es-ES"/>
               <a:t>Haga clic en el icono para agregar una imagen</a:t>
             </a:r>
             <a:endParaRPr lang="en-US" dirty="0"/>
@@ -6366,7 +6379,7 @@
           <a:p>
             <a:pPr lvl="0"/>
             <a:r>
-              <a:rPr lang="es-ES" smtClean="0"/>
+              <a:rPr lang="es-ES"/>
               <a:t>Haga clic para modificar el estilo de texto del patrón</a:t>
             </a:r>
           </a:p>
@@ -6440,7 +6453,7 @@
           <a:p>
             <a:pPr lvl="0"/>
             <a:r>
-              <a:rPr lang="es-ES" smtClean="0"/>
+              <a:rPr lang="es-ES"/>
               <a:t>Haga clic para modificar el estilo de texto del patrón</a:t>
             </a:r>
           </a:p>
@@ -6497,7 +6510,7 @@
               <a:buNone/>
             </a:pPr>
             <a:r>
-              <a:rPr lang="es-ES" smtClean="0"/>
+              <a:rPr lang="es-ES"/>
               <a:t>Haga clic en el icono para agregar una imagen</a:t>
             </a:r>
             <a:endParaRPr lang="en-US" dirty="0"/>
@@ -6565,7 +6578,7 @@
           <a:p>
             <a:pPr lvl="0"/>
             <a:r>
-              <a:rPr lang="es-ES" smtClean="0"/>
+              <a:rPr lang="es-ES"/>
               <a:t>Haga clic para modificar el estilo de texto del patrón</a:t>
             </a:r>
           </a:p>
@@ -6639,7 +6652,7 @@
           <a:p>
             <a:pPr lvl="0"/>
             <a:r>
-              <a:rPr lang="es-ES" smtClean="0"/>
+              <a:rPr lang="es-ES"/>
               <a:t>Haga clic para modificar el estilo de texto del patrón</a:t>
             </a:r>
           </a:p>
@@ -6696,7 +6709,7 @@
               <a:buNone/>
             </a:pPr>
             <a:r>
-              <a:rPr lang="es-ES" smtClean="0"/>
+              <a:rPr lang="es-ES"/>
               <a:t>Haga clic en el icono para agregar una imagen</a:t>
             </a:r>
             <a:endParaRPr lang="en-US" dirty="0"/>
@@ -6764,7 +6777,7 @@
           <a:p>
             <a:pPr lvl="0"/>
             <a:r>
-              <a:rPr lang="es-ES" smtClean="0"/>
+              <a:rPr lang="es-ES"/>
               <a:t>Haga clic para modificar el estilo de texto del patrón</a:t>
             </a:r>
           </a:p>
@@ -6787,7 +6800,7 @@
           <a:p>
             <a:fld id="{48A87A34-81AB-432B-8DAE-1953F412C126}" type="datetimeFigureOut">
               <a:rPr lang="en-US" dirty="0"/>
-              <a:t>10/23/2018</a:t>
+              <a:t>10/24/2018</a:t>
             </a:fld>
             <a:endParaRPr lang="en-US" dirty="0"/>
           </a:p>
@@ -6876,7 +6889,7 @@
           <a:lstStyle/>
           <a:p>
             <a:r>
-              <a:rPr lang="es-ES" smtClean="0"/>
+              <a:rPr lang="es-ES"/>
               <a:t>Haga clic para modificar el estilo de título del patrón</a:t>
             </a:r>
             <a:endParaRPr lang="en-US" dirty="0"/>
@@ -6900,35 +6913,35 @@
           <a:p>
             <a:pPr lvl="0"/>
             <a:r>
-              <a:rPr lang="es-ES" smtClean="0"/>
+              <a:rPr lang="es-ES"/>
               <a:t>Haga clic para modificar el estilo de texto del patrón</a:t>
             </a:r>
           </a:p>
           <a:p>
             <a:pPr lvl="1"/>
             <a:r>
-              <a:rPr lang="es-ES" smtClean="0"/>
+              <a:rPr lang="es-ES"/>
               <a:t>Segundo nivel</a:t>
             </a:r>
           </a:p>
           <a:p>
             <a:pPr lvl="2"/>
             <a:r>
-              <a:rPr lang="es-ES" smtClean="0"/>
+              <a:rPr lang="es-ES"/>
               <a:t>Tercer nivel</a:t>
             </a:r>
           </a:p>
           <a:p>
             <a:pPr lvl="3"/>
             <a:r>
-              <a:rPr lang="es-ES" smtClean="0"/>
+              <a:rPr lang="es-ES"/>
               <a:t>Cuarto nivel</a:t>
             </a:r>
           </a:p>
           <a:p>
             <a:pPr lvl="4"/>
             <a:r>
-              <a:rPr lang="es-ES" smtClean="0"/>
+              <a:rPr lang="es-ES"/>
               <a:t>Quinto nivel</a:t>
             </a:r>
             <a:endParaRPr lang="en-US" dirty="0"/>
@@ -6952,7 +6965,7 @@
           <a:p>
             <a:fld id="{48A87A34-81AB-432B-8DAE-1953F412C126}" type="datetimeFigureOut">
               <a:rPr lang="en-US" dirty="0"/>
-              <a:t>10/23/2018</a:t>
+              <a:t>10/24/2018</a:t>
             </a:fld>
             <a:endParaRPr lang="en-US" dirty="0"/>
           </a:p>
@@ -7046,7 +7059,7 @@
           <a:lstStyle/>
           <a:p>
             <a:r>
-              <a:rPr lang="es-ES" smtClean="0"/>
+              <a:rPr lang="es-ES"/>
               <a:t>Haga clic para modificar el estilo de título del patrón</a:t>
             </a:r>
             <a:endParaRPr lang="en-US" dirty="0"/>
@@ -7075,35 +7088,35 @@
           <a:p>
             <a:pPr lvl="0"/>
             <a:r>
-              <a:rPr lang="es-ES" smtClean="0"/>
+              <a:rPr lang="es-ES"/>
               <a:t>Haga clic para modificar el estilo de texto del patrón</a:t>
             </a:r>
           </a:p>
           <a:p>
             <a:pPr lvl="1"/>
             <a:r>
-              <a:rPr lang="es-ES" smtClean="0"/>
+              <a:rPr lang="es-ES"/>
               <a:t>Segundo nivel</a:t>
             </a:r>
           </a:p>
           <a:p>
             <a:pPr lvl="2"/>
             <a:r>
-              <a:rPr lang="es-ES" smtClean="0"/>
+              <a:rPr lang="es-ES"/>
               <a:t>Tercer nivel</a:t>
             </a:r>
           </a:p>
           <a:p>
             <a:pPr lvl="3"/>
             <a:r>
-              <a:rPr lang="es-ES" smtClean="0"/>
+              <a:rPr lang="es-ES"/>
               <a:t>Cuarto nivel</a:t>
             </a:r>
           </a:p>
           <a:p>
             <a:pPr lvl="4"/>
             <a:r>
-              <a:rPr lang="es-ES" smtClean="0"/>
+              <a:rPr lang="es-ES"/>
               <a:t>Quinto nivel</a:t>
             </a:r>
             <a:endParaRPr lang="en-US" dirty="0"/>
@@ -7127,7 +7140,7 @@
           <a:p>
             <a:fld id="{48A87A34-81AB-432B-8DAE-1953F412C126}" type="datetimeFigureOut">
               <a:rPr lang="en-US" dirty="0"/>
-              <a:t>10/23/2018</a:t>
+              <a:t>10/24/2018</a:t>
             </a:fld>
             <a:endParaRPr lang="en-US" dirty="0"/>
           </a:p>
@@ -7216,7 +7229,7 @@
           <a:lstStyle/>
           <a:p>
             <a:r>
-              <a:rPr lang="es-ES" smtClean="0"/>
+              <a:rPr lang="es-ES"/>
               <a:t>Haga clic para modificar el estilo de título del patrón</a:t>
             </a:r>
             <a:endParaRPr lang="en-US" dirty="0"/>
@@ -7240,35 +7253,35 @@
           <a:p>
             <a:pPr lvl="0"/>
             <a:r>
-              <a:rPr lang="es-ES" smtClean="0"/>
+              <a:rPr lang="es-ES"/>
               <a:t>Haga clic para modificar el estilo de texto del patrón</a:t>
             </a:r>
           </a:p>
           <a:p>
             <a:pPr lvl="1"/>
             <a:r>
-              <a:rPr lang="es-ES" smtClean="0"/>
+              <a:rPr lang="es-ES"/>
               <a:t>Segundo nivel</a:t>
             </a:r>
           </a:p>
           <a:p>
             <a:pPr lvl="2"/>
             <a:r>
-              <a:rPr lang="es-ES" smtClean="0"/>
+              <a:rPr lang="es-ES"/>
               <a:t>Tercer nivel</a:t>
             </a:r>
           </a:p>
           <a:p>
             <a:pPr lvl="3"/>
             <a:r>
-              <a:rPr lang="es-ES" smtClean="0"/>
+              <a:rPr lang="es-ES"/>
               <a:t>Cuarto nivel</a:t>
             </a:r>
           </a:p>
           <a:p>
             <a:pPr lvl="4"/>
             <a:r>
-              <a:rPr lang="es-ES" smtClean="0"/>
+              <a:rPr lang="es-ES"/>
               <a:t>Quinto nivel</a:t>
             </a:r>
             <a:endParaRPr lang="en-US" dirty="0"/>
@@ -7292,7 +7305,7 @@
           <a:p>
             <a:fld id="{48A87A34-81AB-432B-8DAE-1953F412C126}" type="datetimeFigureOut">
               <a:rPr lang="en-US" dirty="0"/>
-              <a:t>10/23/2018</a:t>
+              <a:t>10/24/2018</a:t>
             </a:fld>
             <a:endParaRPr lang="en-US" dirty="0"/>
           </a:p>
@@ -7392,7 +7405,7 @@
           </a:lstStyle>
           <a:p>
             <a:r>
-              <a:rPr lang="es-ES" smtClean="0"/>
+              <a:rPr lang="es-ES"/>
               <a:t>Haga clic para modificar el estilo de título del patrón</a:t>
             </a:r>
             <a:endParaRPr lang="en-US" dirty="0"/>
@@ -7514,7 +7527,7 @@
           <a:p>
             <a:pPr lvl="0"/>
             <a:r>
-              <a:rPr lang="es-ES" smtClean="0"/>
+              <a:rPr lang="es-ES"/>
               <a:t>Haga clic para modificar el estilo de texto del patrón</a:t>
             </a:r>
           </a:p>
@@ -7537,7 +7550,7 @@
           <a:p>
             <a:fld id="{48A87A34-81AB-432B-8DAE-1953F412C126}" type="datetimeFigureOut">
               <a:rPr lang="en-US" dirty="0"/>
-              <a:t>10/23/2018</a:t>
+              <a:t>10/24/2018</a:t>
             </a:fld>
             <a:endParaRPr lang="en-US" dirty="0"/>
           </a:p>
@@ -7626,7 +7639,7 @@
           <a:lstStyle/>
           <a:p>
             <a:r>
-              <a:rPr lang="es-ES" smtClean="0"/>
+              <a:rPr lang="es-ES"/>
               <a:t>Haga clic para modificar el estilo de título del patrón</a:t>
             </a:r>
             <a:endParaRPr lang="en-US" dirty="0"/>
@@ -7655,35 +7668,35 @@
           <a:p>
             <a:pPr lvl="0"/>
             <a:r>
-              <a:rPr lang="es-ES" smtClean="0"/>
+              <a:rPr lang="es-ES"/>
               <a:t>Haga clic para modificar el estilo de texto del patrón</a:t>
             </a:r>
           </a:p>
           <a:p>
             <a:pPr lvl="1"/>
             <a:r>
-              <a:rPr lang="es-ES" smtClean="0"/>
+              <a:rPr lang="es-ES"/>
               <a:t>Segundo nivel</a:t>
             </a:r>
           </a:p>
           <a:p>
             <a:pPr lvl="2"/>
             <a:r>
-              <a:rPr lang="es-ES" smtClean="0"/>
+              <a:rPr lang="es-ES"/>
               <a:t>Tercer nivel</a:t>
             </a:r>
           </a:p>
           <a:p>
             <a:pPr lvl="3"/>
             <a:r>
-              <a:rPr lang="es-ES" smtClean="0"/>
+              <a:rPr lang="es-ES"/>
               <a:t>Cuarto nivel</a:t>
             </a:r>
           </a:p>
           <a:p>
             <a:pPr lvl="4"/>
             <a:r>
-              <a:rPr lang="es-ES" smtClean="0"/>
+              <a:rPr lang="es-ES"/>
               <a:t>Quinto nivel</a:t>
             </a:r>
             <a:endParaRPr lang="en-US" dirty="0"/>
@@ -7712,35 +7725,35 @@
           <a:p>
             <a:pPr lvl="0"/>
             <a:r>
-              <a:rPr lang="es-ES" smtClean="0"/>
+              <a:rPr lang="es-ES"/>
               <a:t>Haga clic para modificar el estilo de texto del patrón</a:t>
             </a:r>
           </a:p>
           <a:p>
             <a:pPr lvl="1"/>
             <a:r>
-              <a:rPr lang="es-ES" smtClean="0"/>
+              <a:rPr lang="es-ES"/>
               <a:t>Segundo nivel</a:t>
             </a:r>
           </a:p>
           <a:p>
             <a:pPr lvl="2"/>
             <a:r>
-              <a:rPr lang="es-ES" smtClean="0"/>
+              <a:rPr lang="es-ES"/>
               <a:t>Tercer nivel</a:t>
             </a:r>
           </a:p>
           <a:p>
             <a:pPr lvl="3"/>
             <a:r>
-              <a:rPr lang="es-ES" smtClean="0"/>
+              <a:rPr lang="es-ES"/>
               <a:t>Cuarto nivel</a:t>
             </a:r>
           </a:p>
           <a:p>
             <a:pPr lvl="4"/>
             <a:r>
-              <a:rPr lang="es-ES" smtClean="0"/>
+              <a:rPr lang="es-ES"/>
               <a:t>Quinto nivel</a:t>
             </a:r>
             <a:endParaRPr lang="en-US" dirty="0"/>
@@ -7764,7 +7777,7 @@
           <a:p>
             <a:fld id="{48A87A34-81AB-432B-8DAE-1953F412C126}" type="datetimeFigureOut">
               <a:rPr lang="en-US" dirty="0"/>
-              <a:t>10/23/2018</a:t>
+              <a:t>10/24/2018</a:t>
             </a:fld>
             <a:endParaRPr lang="en-US" dirty="0"/>
           </a:p>
@@ -7858,7 +7871,7 @@
           <a:lstStyle/>
           <a:p>
             <a:r>
-              <a:rPr lang="es-ES" smtClean="0"/>
+              <a:rPr lang="es-ES"/>
               <a:t>Haga clic para modificar el estilo de título del patrón</a:t>
             </a:r>
             <a:endParaRPr lang="en-US" dirty="0"/>
@@ -7931,7 +7944,7 @@
           <a:p>
             <a:pPr lvl="0"/>
             <a:r>
-              <a:rPr lang="es-ES" smtClean="0"/>
+              <a:rPr lang="es-ES"/>
               <a:t>Haga clic para modificar el estilo de texto del patrón</a:t>
             </a:r>
           </a:p>
@@ -7959,35 +7972,35 @@
           <a:p>
             <a:pPr lvl="0"/>
             <a:r>
-              <a:rPr lang="es-ES" smtClean="0"/>
+              <a:rPr lang="es-ES"/>
               <a:t>Haga clic para modificar el estilo de texto del patrón</a:t>
             </a:r>
           </a:p>
           <a:p>
             <a:pPr lvl="1"/>
             <a:r>
-              <a:rPr lang="es-ES" smtClean="0"/>
+              <a:rPr lang="es-ES"/>
               <a:t>Segundo nivel</a:t>
             </a:r>
           </a:p>
           <a:p>
             <a:pPr lvl="2"/>
             <a:r>
-              <a:rPr lang="es-ES" smtClean="0"/>
+              <a:rPr lang="es-ES"/>
               <a:t>Tercer nivel</a:t>
             </a:r>
           </a:p>
           <a:p>
             <a:pPr lvl="3"/>
             <a:r>
-              <a:rPr lang="es-ES" smtClean="0"/>
+              <a:rPr lang="es-ES"/>
               <a:t>Cuarto nivel</a:t>
             </a:r>
           </a:p>
           <a:p>
             <a:pPr lvl="4"/>
             <a:r>
-              <a:rPr lang="es-ES" smtClean="0"/>
+              <a:rPr lang="es-ES"/>
               <a:t>Quinto nivel</a:t>
             </a:r>
             <a:endParaRPr lang="en-US" dirty="0"/>
@@ -8060,7 +8073,7 @@
           <a:p>
             <a:pPr lvl="0"/>
             <a:r>
-              <a:rPr lang="es-ES" smtClean="0"/>
+              <a:rPr lang="es-ES"/>
               <a:t>Haga clic para modificar el estilo de texto del patrón</a:t>
             </a:r>
           </a:p>
@@ -8088,35 +8101,35 @@
           <a:p>
             <a:pPr lvl="0"/>
             <a:r>
-              <a:rPr lang="es-ES" smtClean="0"/>
+              <a:rPr lang="es-ES"/>
               <a:t>Haga clic para modificar el estilo de texto del patrón</a:t>
             </a:r>
           </a:p>
           <a:p>
             <a:pPr lvl="1"/>
             <a:r>
-              <a:rPr lang="es-ES" smtClean="0"/>
+              <a:rPr lang="es-ES"/>
               <a:t>Segundo nivel</a:t>
             </a:r>
           </a:p>
           <a:p>
             <a:pPr lvl="2"/>
             <a:r>
-              <a:rPr lang="es-ES" smtClean="0"/>
+              <a:rPr lang="es-ES"/>
               <a:t>Tercer nivel</a:t>
             </a:r>
           </a:p>
           <a:p>
             <a:pPr lvl="3"/>
             <a:r>
-              <a:rPr lang="es-ES" smtClean="0"/>
+              <a:rPr lang="es-ES"/>
               <a:t>Cuarto nivel</a:t>
             </a:r>
           </a:p>
           <a:p>
             <a:pPr lvl="4"/>
             <a:r>
-              <a:rPr lang="es-ES" smtClean="0"/>
+              <a:rPr lang="es-ES"/>
               <a:t>Quinto nivel</a:t>
             </a:r>
             <a:endParaRPr lang="en-US" dirty="0"/>
@@ -8140,7 +8153,7 @@
           <a:p>
             <a:fld id="{48A87A34-81AB-432B-8DAE-1953F412C126}" type="datetimeFigureOut">
               <a:rPr lang="en-US" dirty="0"/>
-              <a:t>10/23/2018</a:t>
+              <a:t>10/24/2018</a:t>
             </a:fld>
             <a:endParaRPr lang="en-US" dirty="0"/>
           </a:p>
@@ -8229,7 +8242,7 @@
           <a:lstStyle/>
           <a:p>
             <a:r>
-              <a:rPr lang="es-ES" smtClean="0"/>
+              <a:rPr lang="es-ES"/>
               <a:t>Haga clic para modificar el estilo de título del patrón</a:t>
             </a:r>
             <a:endParaRPr lang="en-US" dirty="0"/>
@@ -8253,7 +8266,7 @@
           <a:p>
             <a:fld id="{48A87A34-81AB-432B-8DAE-1953F412C126}" type="datetimeFigureOut">
               <a:rPr lang="en-US" dirty="0"/>
-              <a:t>10/23/2018</a:t>
+              <a:t>10/24/2018</a:t>
             </a:fld>
             <a:endParaRPr lang="en-US" dirty="0"/>
           </a:p>
@@ -8343,7 +8356,7 @@
           <a:p>
             <a:fld id="{48A87A34-81AB-432B-8DAE-1953F412C126}" type="datetimeFigureOut">
               <a:rPr lang="en-US" dirty="0"/>
-              <a:t>10/23/2018</a:t>
+              <a:t>10/24/2018</a:t>
             </a:fld>
             <a:endParaRPr lang="en-US" dirty="0"/>
           </a:p>
@@ -8441,7 +8454,7 @@
           </a:lstStyle>
           <a:p>
             <a:r>
-              <a:rPr lang="es-ES" smtClean="0"/>
+              <a:rPr lang="es-ES"/>
               <a:t>Haga clic para modificar el estilo de título del patrón</a:t>
             </a:r>
             <a:endParaRPr lang="en-US" dirty="0"/>
@@ -8470,35 +8483,35 @@
           <a:p>
             <a:pPr lvl="0"/>
             <a:r>
-              <a:rPr lang="es-ES" smtClean="0"/>
+              <a:rPr lang="es-ES"/>
               <a:t>Haga clic para modificar el estilo de texto del patrón</a:t>
             </a:r>
           </a:p>
           <a:p>
             <a:pPr lvl="1"/>
             <a:r>
-              <a:rPr lang="es-ES" smtClean="0"/>
+              <a:rPr lang="es-ES"/>
               <a:t>Segundo nivel</a:t>
             </a:r>
           </a:p>
           <a:p>
             <a:pPr lvl="2"/>
             <a:r>
-              <a:rPr lang="es-ES" smtClean="0"/>
+              <a:rPr lang="es-ES"/>
               <a:t>Tercer nivel</a:t>
             </a:r>
           </a:p>
           <a:p>
             <a:pPr lvl="3"/>
             <a:r>
-              <a:rPr lang="es-ES" smtClean="0"/>
+              <a:rPr lang="es-ES"/>
               <a:t>Cuarto nivel</a:t>
             </a:r>
           </a:p>
           <a:p>
             <a:pPr lvl="4"/>
             <a:r>
-              <a:rPr lang="es-ES" smtClean="0"/>
+              <a:rPr lang="es-ES"/>
               <a:t>Quinto nivel</a:t>
             </a:r>
             <a:endParaRPr lang="en-US" dirty="0"/>
@@ -8564,7 +8577,7 @@
           <a:p>
             <a:pPr lvl="0"/>
             <a:r>
-              <a:rPr lang="es-ES" smtClean="0"/>
+              <a:rPr lang="es-ES"/>
               <a:t>Haga clic para modificar el estilo de texto del patrón</a:t>
             </a:r>
           </a:p>
@@ -8587,7 +8600,7 @@
           <a:p>
             <a:fld id="{48A87A34-81AB-432B-8DAE-1953F412C126}" type="datetimeFigureOut">
               <a:rPr lang="en-US" dirty="0"/>
-              <a:t>10/23/2018</a:t>
+              <a:t>10/24/2018</a:t>
             </a:fld>
             <a:endParaRPr lang="en-US" dirty="0"/>
           </a:p>
@@ -8685,7 +8698,7 @@
           </a:lstStyle>
           <a:p>
             <a:r>
-              <a:rPr lang="es-ES" smtClean="0"/>
+              <a:rPr lang="es-ES"/>
               <a:t>Haga clic para modificar el estilo de título del patrón</a:t>
             </a:r>
             <a:endParaRPr lang="en-US" dirty="0"/>
@@ -8773,7 +8786,7 @@
           </a:lstStyle>
           <a:p>
             <a:r>
-              <a:rPr lang="es-ES" smtClean="0"/>
+              <a:rPr lang="es-ES"/>
               <a:t>Haga clic en el icono para agregar una imagen</a:t>
             </a:r>
             <a:endParaRPr lang="en-US" dirty="0"/>
@@ -8839,7 +8852,7 @@
           <a:p>
             <a:pPr lvl="0"/>
             <a:r>
-              <a:rPr lang="es-ES" smtClean="0"/>
+              <a:rPr lang="es-ES"/>
               <a:t>Haga clic para modificar el estilo de texto del patrón</a:t>
             </a:r>
           </a:p>
@@ -8862,7 +8875,7 @@
           <a:p>
             <a:fld id="{48A87A34-81AB-432B-8DAE-1953F412C126}" type="datetimeFigureOut">
               <a:rPr lang="en-US" dirty="0"/>
-              <a:t>10/23/2018</a:t>
+              <a:t>10/24/2018</a:t>
             </a:fld>
             <a:endParaRPr lang="en-US" dirty="0"/>
           </a:p>
@@ -11854,35 +11867,35 @@
           <a:p>
             <a:pPr lvl="0"/>
             <a:r>
-              <a:rPr lang="es-ES" smtClean="0"/>
+              <a:rPr lang="es-ES"/>
               <a:t>Haga clic para modificar el estilo de texto del patrón</a:t>
             </a:r>
           </a:p>
           <a:p>
             <a:pPr lvl="1"/>
             <a:r>
-              <a:rPr lang="es-ES" smtClean="0"/>
+              <a:rPr lang="es-ES"/>
               <a:t>Segundo nivel</a:t>
             </a:r>
           </a:p>
           <a:p>
             <a:pPr lvl="2"/>
             <a:r>
-              <a:rPr lang="es-ES" smtClean="0"/>
+              <a:rPr lang="es-ES"/>
               <a:t>Tercer nivel</a:t>
             </a:r>
           </a:p>
           <a:p>
             <a:pPr lvl="3"/>
             <a:r>
-              <a:rPr lang="es-ES" smtClean="0"/>
+              <a:rPr lang="es-ES"/>
               <a:t>Cuarto nivel</a:t>
             </a:r>
           </a:p>
           <a:p>
             <a:pPr lvl="4"/>
             <a:r>
-              <a:rPr lang="es-ES" smtClean="0"/>
+              <a:rPr lang="es-ES"/>
               <a:t>Quinto nivel</a:t>
             </a:r>
             <a:endParaRPr lang="en-US" dirty="0"/>
@@ -11925,7 +11938,7 @@
             <a:fld id="{48A87A34-81AB-432B-8DAE-1953F412C126}" type="datetimeFigureOut">
               <a:rPr lang="en-US" dirty="0"/>
               <a:pPr/>
-              <a:t>10/23/2018</a:t>
+              <a:t>10/24/2018</a:t>
             </a:fld>
             <a:endParaRPr lang="en-US" dirty="0"/>
           </a:p>
@@ -12362,10 +12375,9 @@
           <a:lstStyle/>
           <a:p>
             <a:r>
-              <a:rPr lang="es-AR" dirty="0" smtClean="0"/>
+              <a:rPr lang="es-AR" dirty="0"/>
               <a:t>SAF (Sistema de apto físico)</a:t>
             </a:r>
-            <a:endParaRPr lang="es-AR" dirty="0"/>
           </a:p>
         </p:txBody>
       </p:sp>
@@ -12387,30 +12399,21 @@
           <a:lstStyle/>
           <a:p>
             <a:r>
-              <a:rPr lang="es-AR" dirty="0" smtClean="0"/>
+              <a:rPr lang="es-AR" dirty="0"/>
               <a:t>				5to 7ma</a:t>
             </a:r>
           </a:p>
           <a:p>
             <a:r>
               <a:rPr lang="es-AR" dirty="0"/>
-              <a:t>	</a:t>
-            </a:r>
-            <a:r>
-              <a:rPr lang="es-AR" dirty="0" smtClean="0"/>
-              <a:t>	   Docente: Sergio Mendoza</a:t>
+              <a:t>		   Docente: Sergio Mendoza</a:t>
             </a:r>
           </a:p>
           <a:p>
             <a:r>
               <a:rPr lang="es-AR" dirty="0"/>
-              <a:t>	</a:t>
-            </a:r>
-            <a:r>
-              <a:rPr lang="es-AR" dirty="0" smtClean="0"/>
-              <a:t>	   alumnos: Choque Verónica, Gutiérrez Dustin, 				        Haidar Maximiliano, Irahola Raymi. </a:t>
-            </a:r>
-            <a:endParaRPr lang="es-AR" dirty="0"/>
+              <a:t>		   alumnos: Choque Verónica, Gutiérrez Dustin, 				        Haidar Maximiliano, Irahola Raymi. </a:t>
+            </a:r>
           </a:p>
         </p:txBody>
       </p:sp>
@@ -12418,6 +12421,252 @@
     <p:extLst>
       <p:ext uri="{BB962C8B-B14F-4D97-AF65-F5344CB8AC3E}">
         <p14:creationId xmlns:p14="http://schemas.microsoft.com/office/powerpoint/2010/main" val="543707678"/>
+      </p:ext>
+    </p:extLst>
+  </p:cSld>
+  <p:clrMapOvr>
+    <a:masterClrMapping/>
+  </p:clrMapOvr>
+</p:sld>
+</file>
+
+<file path=ppt/slides/slide10.xml><?xml version="1.0" encoding="utf-8"?>
+<p:sld xmlns:a="http://schemas.openxmlformats.org/drawingml/2006/main" xmlns:r="http://schemas.openxmlformats.org/officeDocument/2006/relationships" xmlns:p="http://schemas.openxmlformats.org/presentationml/2006/main">
+  <p:cSld>
+    <p:spTree>
+      <p:nvGrpSpPr>
+        <p:cNvPr id="1" name=""/>
+        <p:cNvGrpSpPr/>
+        <p:nvPr/>
+      </p:nvGrpSpPr>
+      <p:grpSpPr>
+        <a:xfrm>
+          <a:off x="0" y="0"/>
+          <a:ext cx="0" cy="0"/>
+          <a:chOff x="0" y="0"/>
+          <a:chExt cx="0" cy="0"/>
+        </a:xfrm>
+      </p:grpSpPr>
+      <p:sp>
+        <p:nvSpPr>
+          <p:cNvPr id="4" name="Título 3">
+            <a:extLst>
+              <a:ext uri="{FF2B5EF4-FFF2-40B4-BE49-F238E27FC236}">
+                <a16:creationId xmlns:a16="http://schemas.microsoft.com/office/drawing/2014/main" id="{F82D75A2-3FBE-45F5-B7D7-7F1698E51296}"/>
+              </a:ext>
+            </a:extLst>
+          </p:cNvPr>
+          <p:cNvSpPr>
+            <a:spLocks noGrp="1"/>
+          </p:cNvSpPr>
+          <p:nvPr>
+            <p:ph type="title"/>
+          </p:nvPr>
+        </p:nvSpPr>
+        <p:spPr>
+          <a:xfrm>
+            <a:off x="1141410" y="609601"/>
+            <a:ext cx="5934508" cy="672477"/>
+          </a:xfrm>
+        </p:spPr>
+        <p:txBody>
+          <a:bodyPr/>
+          <a:lstStyle/>
+          <a:p>
+            <a:r>
+              <a:rPr lang="es-AR" dirty="0"/>
+              <a:t>Inicio del programa</a:t>
+            </a:r>
+          </a:p>
+        </p:txBody>
+      </p:sp>
+      <p:sp>
+        <p:nvSpPr>
+          <p:cNvPr id="5" name="Marcador de posición de imagen 4">
+            <a:extLst>
+              <a:ext uri="{FF2B5EF4-FFF2-40B4-BE49-F238E27FC236}">
+                <a16:creationId xmlns:a16="http://schemas.microsoft.com/office/drawing/2014/main" id="{5F2AB58A-6751-4D60-AC48-630764782438}"/>
+              </a:ext>
+            </a:extLst>
+          </p:cNvPr>
+          <p:cNvSpPr>
+            <a:spLocks noGrp="1"/>
+          </p:cNvSpPr>
+          <p:nvPr>
+            <p:ph type="pic" idx="1"/>
+          </p:nvPr>
+        </p:nvSpPr>
+        <p:spPr/>
+      </p:sp>
+      <p:sp>
+        <p:nvSpPr>
+          <p:cNvPr id="6" name="Marcador de texto 5">
+            <a:extLst>
+              <a:ext uri="{FF2B5EF4-FFF2-40B4-BE49-F238E27FC236}">
+                <a16:creationId xmlns:a16="http://schemas.microsoft.com/office/drawing/2014/main" id="{D88625F1-631D-44EB-9F35-C1CF815ECA75}"/>
+              </a:ext>
+            </a:extLst>
+          </p:cNvPr>
+          <p:cNvSpPr>
+            <a:spLocks noGrp="1"/>
+          </p:cNvSpPr>
+          <p:nvPr>
+            <p:ph type="body" sz="half" idx="2"/>
+          </p:nvPr>
+        </p:nvSpPr>
+        <p:spPr>
+          <a:xfrm>
+            <a:off x="1141410" y="2249486"/>
+            <a:ext cx="5934511" cy="3846514"/>
+          </a:xfrm>
+        </p:spPr>
+        <p:txBody>
+          <a:bodyPr>
+            <a:normAutofit/>
+          </a:bodyPr>
+          <a:lstStyle/>
+          <a:p>
+            <a:r>
+              <a:rPr lang="es-AR" sz="2400" dirty="0"/>
+              <a:t>Al terminar con el </a:t>
+            </a:r>
+            <a:r>
+              <a:rPr lang="es-AR" sz="2400" dirty="0" err="1"/>
+              <a:t>MySql</a:t>
+            </a:r>
+            <a:r>
+              <a:rPr lang="es-AR" sz="2400" dirty="0"/>
+              <a:t>, iniciamos con el programa Visual </a:t>
+            </a:r>
+            <a:r>
+              <a:rPr lang="es-AR" sz="2400" dirty="0" err="1"/>
+              <a:t>Studios</a:t>
+            </a:r>
+            <a:r>
+              <a:rPr lang="es-AR" sz="2400" dirty="0"/>
+              <a:t> en la cual se usa el lenguaje C#, iniciando el proyecto ASP.NET, con el objetivo de hacer una pagina Web que en la cual el usuario pueda acceder a su cuenta(como se mostro en realización del DER) y mostrar por pantalla los datos de quienes tienen apto físico.</a:t>
+            </a:r>
+          </a:p>
+        </p:txBody>
+      </p:sp>
+    </p:spTree>
+    <p:extLst>
+      <p:ext uri="{BB962C8B-B14F-4D97-AF65-F5344CB8AC3E}">
+        <p14:creationId xmlns:p14="http://schemas.microsoft.com/office/powerpoint/2010/main" val="212108346"/>
+      </p:ext>
+    </p:extLst>
+  </p:cSld>
+  <p:clrMapOvr>
+    <a:masterClrMapping/>
+  </p:clrMapOvr>
+</p:sld>
+</file>
+
+<file path=ppt/slides/slide11.xml><?xml version="1.0" encoding="utf-8"?>
+<p:sld xmlns:a="http://schemas.openxmlformats.org/drawingml/2006/main" xmlns:r="http://schemas.openxmlformats.org/officeDocument/2006/relationships" xmlns:p="http://schemas.openxmlformats.org/presentationml/2006/main">
+  <p:cSld>
+    <p:spTree>
+      <p:nvGrpSpPr>
+        <p:cNvPr id="1" name=""/>
+        <p:cNvGrpSpPr/>
+        <p:nvPr/>
+      </p:nvGrpSpPr>
+      <p:grpSpPr>
+        <a:xfrm>
+          <a:off x="0" y="0"/>
+          <a:ext cx="0" cy="0"/>
+          <a:chOff x="0" y="0"/>
+          <a:chExt cx="0" cy="0"/>
+        </a:xfrm>
+      </p:grpSpPr>
+      <p:sp>
+        <p:nvSpPr>
+          <p:cNvPr id="4" name="Marcador de texto 3">
+            <a:extLst>
+              <a:ext uri="{FF2B5EF4-FFF2-40B4-BE49-F238E27FC236}">
+                <a16:creationId xmlns:a16="http://schemas.microsoft.com/office/drawing/2014/main" id="{DEBF9873-56DE-46B2-9692-502DE5B0F808}"/>
+              </a:ext>
+            </a:extLst>
+          </p:cNvPr>
+          <p:cNvSpPr>
+            <a:spLocks noGrp="1"/>
+          </p:cNvSpPr>
+          <p:nvPr>
+            <p:ph type="body" sz="half" idx="2"/>
+          </p:nvPr>
+        </p:nvSpPr>
+        <p:spPr>
+          <a:xfrm>
+            <a:off x="1144589" y="778495"/>
+            <a:ext cx="5934511" cy="3541714"/>
+          </a:xfrm>
+        </p:spPr>
+        <p:txBody>
+          <a:bodyPr>
+            <a:normAutofit/>
+          </a:bodyPr>
+          <a:lstStyle/>
+          <a:p>
+            <a:r>
+              <a:rPr lang="es-AR" sz="2000" dirty="0"/>
+              <a:t>Al asegurarnos en que el proyecto guarde los cambios, tuvimos que crear el proyecto en Git Hub (Es una aplicación que se descarga. Con la cual podrás clonar los proyectos que inicias y guardar los cabios realizados, ya sea por ti o por otro usuario)</a:t>
+            </a:r>
+          </a:p>
+        </p:txBody>
+      </p:sp>
+      <p:pic>
+        <p:nvPicPr>
+          <p:cNvPr id="3078" name="Picture 6" descr="Resultado de imagen para github">
+            <a:extLst>
+              <a:ext uri="{FF2B5EF4-FFF2-40B4-BE49-F238E27FC236}">
+                <a16:creationId xmlns:a16="http://schemas.microsoft.com/office/drawing/2014/main" id="{A7E07B3D-C4CE-4F31-87FE-E644DD5D531A}"/>
+              </a:ext>
+            </a:extLst>
+          </p:cNvPr>
+          <p:cNvPicPr>
+            <a:picLocks noGrp="1" noChangeAspect="1" noChangeArrowheads="1"/>
+          </p:cNvPicPr>
+          <p:nvPr>
+            <p:ph type="pic" idx="1"/>
+          </p:nvPr>
+        </p:nvPicPr>
+        <p:blipFill>
+          <a:blip r:embed="rId2">
+            <a:extLst>
+              <a:ext uri="{28A0092B-C50C-407E-A947-70E740481C1C}">
+                <a14:useLocalDpi xmlns:a14="http://schemas.microsoft.com/office/drawing/2010/main" val="0"/>
+              </a:ext>
+            </a:extLst>
+          </a:blip>
+          <a:srcRect t="17327" b="17327"/>
+          <a:stretch>
+            <a:fillRect/>
+          </a:stretch>
+        </p:blipFill>
+        <p:spPr bwMode="auto">
+          <a:xfrm>
+            <a:off x="7444938" y="778495"/>
+            <a:ext cx="4535027" cy="3340308"/>
+          </a:xfrm>
+          <a:prstGeom prst="rect">
+            <a:avLst/>
+          </a:prstGeom>
+          <a:noFill/>
+          <a:extLst>
+            <a:ext uri="{909E8E84-426E-40DD-AFC4-6F175D3DCCD1}">
+              <a14:hiddenFill xmlns:a14="http://schemas.microsoft.com/office/drawing/2010/main">
+                <a:solidFill>
+                  <a:srgbClr val="FFFFFF"/>
+                </a:solidFill>
+              </a14:hiddenFill>
+            </a:ext>
+          </a:extLst>
+        </p:spPr>
+      </p:pic>
+    </p:spTree>
+    <p:extLst>
+      <p:ext uri="{BB962C8B-B14F-4D97-AF65-F5344CB8AC3E}">
+        <p14:creationId xmlns:p14="http://schemas.microsoft.com/office/powerpoint/2010/main" val="449256150"/>
       </p:ext>
     </p:extLst>
   </p:cSld>
@@ -12460,10 +12709,9 @@
           <a:lstStyle/>
           <a:p>
             <a:r>
-              <a:rPr lang="es-AR" dirty="0" smtClean="0"/>
+              <a:rPr lang="es-AR" dirty="0"/>
               <a:t>Programas que se usan para el sistema de apto físico</a:t>
             </a:r>
-            <a:endParaRPr lang="es-AR" dirty="0"/>
           </a:p>
         </p:txBody>
       </p:sp>
@@ -12506,13 +12754,6 @@
   <p:clrMapOvr>
     <a:masterClrMapping/>
   </p:clrMapOvr>
-  <p:timing>
-    <p:tnLst>
-      <p:par>
-        <p:cTn id="1" dur="indefinite" restart="never" nodeType="tmRoot"/>
-      </p:par>
-    </p:tnLst>
-  </p:timing>
 </p:sld>
 </file>
 
@@ -12549,10 +12790,9 @@
           <a:lstStyle/>
           <a:p>
             <a:r>
-              <a:rPr lang="es-AR" dirty="0" smtClean="0"/>
+              <a:rPr lang="es-AR" dirty="0"/>
               <a:t>Actividades que realizamos para llevar a cabo este proyecto</a:t>
             </a:r>
-            <a:endParaRPr lang="es-AR" dirty="0"/>
           </a:p>
         </p:txBody>
       </p:sp>
@@ -12581,7 +12821,7 @@
               <a:buChar char="Ø"/>
             </a:pPr>
             <a:r>
-              <a:rPr lang="es-AR" dirty="0" smtClean="0"/>
+              <a:rPr lang="es-AR" dirty="0"/>
               <a:t> Buscar la información de que se necesita para hacer el apto físico.</a:t>
             </a:r>
           </a:p>
@@ -12592,11 +12832,7 @@
             </a:pPr>
             <a:r>
               <a:rPr lang="es-AR" dirty="0"/>
-              <a:t> </a:t>
-            </a:r>
-            <a:r>
-              <a:rPr lang="es-AR" dirty="0" smtClean="0"/>
-              <a:t>Realizar el diagrama de entidad relación (DER).</a:t>
+              <a:t> Realizar el diagrama de entidad relación (DER).</a:t>
             </a:r>
           </a:p>
           <a:p>
@@ -12606,11 +12842,7 @@
             </a:pPr>
             <a:r>
               <a:rPr lang="es-AR" dirty="0"/>
-              <a:t> </a:t>
-            </a:r>
-            <a:r>
-              <a:rPr lang="es-AR" dirty="0" smtClean="0"/>
-              <a:t>Realizar el DLL</a:t>
+              <a:t> Realizar el DLL</a:t>
             </a:r>
           </a:p>
           <a:p>
@@ -12620,11 +12852,7 @@
             </a:pPr>
             <a:r>
               <a:rPr lang="es-AR" dirty="0"/>
-              <a:t> Elegir si va hacer un programa de consola o un programa web</a:t>
-            </a:r>
-            <a:r>
-              <a:rPr lang="es-AR" dirty="0" smtClean="0"/>
-              <a:t>.</a:t>
+              <a:t> Elegir si va hacer un programa de consola o un programa web.</a:t>
             </a:r>
           </a:p>
           <a:p>
@@ -12634,11 +12862,7 @@
             </a:pPr>
             <a:r>
               <a:rPr lang="es-AR" dirty="0"/>
-              <a:t> </a:t>
-            </a:r>
-            <a:r>
-              <a:rPr lang="es-AR" dirty="0" smtClean="0"/>
-              <a:t>Elegir el lenguaje que se va a utilizar para realizar la codificación. En este caso utilizamos C#.</a:t>
+              <a:t> Elegir el lenguaje que se va a utilizar para realizar la codificación. En este caso utilizamos C#.</a:t>
             </a:r>
           </a:p>
           <a:p>
@@ -12646,7 +12870,7 @@
               <a:buFont typeface="Wingdings" panose="05000000000000000000" pitchFamily="2" charset="2"/>
               <a:buChar char="Ø"/>
             </a:pPr>
-            <a:endParaRPr lang="es-AR" dirty="0" smtClean="0"/>
+            <a:endParaRPr lang="es-AR" dirty="0"/>
           </a:p>
           <a:p>
             <a:pPr>
@@ -12667,13 +12891,902 @@
   <p:clrMapOvr>
     <a:masterClrMapping/>
   </p:clrMapOvr>
-  <p:timing>
-    <p:tnLst>
-      <p:par>
-        <p:cTn id="1" dur="indefinite" restart="never" nodeType="tmRoot"/>
-      </p:par>
-    </p:tnLst>
-  </p:timing>
+</p:sld>
+</file>
+
+<file path=ppt/slides/slide4.xml><?xml version="1.0" encoding="utf-8"?>
+<p:sld xmlns:a="http://schemas.openxmlformats.org/drawingml/2006/main" xmlns:r="http://schemas.openxmlformats.org/officeDocument/2006/relationships" xmlns:p="http://schemas.openxmlformats.org/presentationml/2006/main">
+  <p:cSld>
+    <p:spTree>
+      <p:nvGrpSpPr>
+        <p:cNvPr id="1" name=""/>
+        <p:cNvGrpSpPr/>
+        <p:nvPr/>
+      </p:nvGrpSpPr>
+      <p:grpSpPr>
+        <a:xfrm>
+          <a:off x="0" y="0"/>
+          <a:ext cx="0" cy="0"/>
+          <a:chOff x="0" y="0"/>
+          <a:chExt cx="0" cy="0"/>
+        </a:xfrm>
+      </p:grpSpPr>
+      <p:sp>
+        <p:nvSpPr>
+          <p:cNvPr id="2" name="Título 1">
+            <a:extLst>
+              <a:ext uri="{FF2B5EF4-FFF2-40B4-BE49-F238E27FC236}">
+                <a16:creationId xmlns:a16="http://schemas.microsoft.com/office/drawing/2014/main" id="{C8FA0017-468F-462C-BF0B-003D8C87BE33}"/>
+              </a:ext>
+            </a:extLst>
+          </p:cNvPr>
+          <p:cNvSpPr>
+            <a:spLocks noGrp="1"/>
+          </p:cNvSpPr>
+          <p:nvPr>
+            <p:ph type="title"/>
+          </p:nvPr>
+        </p:nvSpPr>
+        <p:spPr>
+          <a:xfrm>
+            <a:off x="127379" y="91004"/>
+            <a:ext cx="5934508" cy="690874"/>
+          </a:xfrm>
+        </p:spPr>
+        <p:txBody>
+          <a:bodyPr/>
+          <a:lstStyle/>
+          <a:p>
+            <a:r>
+              <a:rPr lang="es-AR" dirty="0"/>
+              <a:t>Búsqueda de información </a:t>
+            </a:r>
+          </a:p>
+        </p:txBody>
+      </p:sp>
+      <p:pic>
+        <p:nvPicPr>
+          <p:cNvPr id="14" name="Marcador de posición de imagen 13">
+            <a:extLst>
+              <a:ext uri="{FF2B5EF4-FFF2-40B4-BE49-F238E27FC236}">
+                <a16:creationId xmlns:a16="http://schemas.microsoft.com/office/drawing/2014/main" id="{62977B22-72B8-4AA7-8A74-5629C43E87F7}"/>
+              </a:ext>
+            </a:extLst>
+          </p:cNvPr>
+          <p:cNvPicPr>
+            <a:picLocks noGrp="1" noChangeAspect="1"/>
+          </p:cNvPicPr>
+          <p:nvPr>
+            <p:ph type="pic" idx="1"/>
+          </p:nvPr>
+        </p:nvPicPr>
+        <p:blipFill rotWithShape="1">
+          <a:blip r:embed="rId2"/>
+          <a:srcRect l="24048" t="9131" r="25426" b="40799"/>
+          <a:stretch/>
+        </p:blipFill>
+        <p:spPr>
+          <a:xfrm>
+            <a:off x="312911" y="3225282"/>
+            <a:ext cx="5478290" cy="3541714"/>
+          </a:xfrm>
+          <a:prstGeom prst="rect">
+            <a:avLst/>
+          </a:prstGeom>
+        </p:spPr>
+      </p:pic>
+      <p:sp>
+        <p:nvSpPr>
+          <p:cNvPr id="3" name="Marcador de contenido 2">
+            <a:extLst>
+              <a:ext uri="{FF2B5EF4-FFF2-40B4-BE49-F238E27FC236}">
+                <a16:creationId xmlns:a16="http://schemas.microsoft.com/office/drawing/2014/main" id="{58142659-7811-491D-B9E3-DDA2260DC3B8}"/>
+              </a:ext>
+            </a:extLst>
+          </p:cNvPr>
+          <p:cNvSpPr>
+            <a:spLocks noGrp="1"/>
+          </p:cNvSpPr>
+          <p:nvPr>
+            <p:ph type="body" sz="half" idx="2"/>
+          </p:nvPr>
+        </p:nvSpPr>
+        <p:spPr>
+          <a:xfrm>
+            <a:off x="127379" y="781878"/>
+            <a:ext cx="5934511" cy="2398050"/>
+          </a:xfrm>
+        </p:spPr>
+        <p:txBody>
+          <a:bodyPr>
+            <a:normAutofit/>
+          </a:bodyPr>
+          <a:lstStyle/>
+          <a:p>
+            <a:r>
+              <a:rPr lang="es-AR" sz="2000" dirty="0"/>
+              <a:t>El objetivo del proyecto es hacer una base de datos en la cual informa quien tiene apto y quienes no.</a:t>
+            </a:r>
+            <a:br>
+              <a:rPr lang="es-AR" sz="2000" dirty="0"/>
+            </a:br>
+            <a:r>
+              <a:rPr lang="es-AR" sz="2000" dirty="0"/>
+              <a:t>Antes de realizar el DER (diagrama entidad relación) tuvimos que buscar información para darnos la idea en como se vería un apto físico para el alumno.</a:t>
+            </a:r>
+          </a:p>
+        </p:txBody>
+      </p:sp>
+      <p:pic>
+        <p:nvPicPr>
+          <p:cNvPr id="15" name="Imagen 14">
+            <a:extLst>
+              <a:ext uri="{FF2B5EF4-FFF2-40B4-BE49-F238E27FC236}">
+                <a16:creationId xmlns:a16="http://schemas.microsoft.com/office/drawing/2014/main" id="{34319F5F-F314-4289-9576-52A1C9058F0E}"/>
+              </a:ext>
+            </a:extLst>
+          </p:cNvPr>
+          <p:cNvPicPr>
+            <a:picLocks noChangeAspect="1"/>
+          </p:cNvPicPr>
+          <p:nvPr/>
+        </p:nvPicPr>
+        <p:blipFill rotWithShape="1">
+          <a:blip r:embed="rId3"/>
+          <a:srcRect l="24324" t="10528" r="25454" b="8636"/>
+          <a:stretch/>
+        </p:blipFill>
+        <p:spPr>
+          <a:xfrm>
+            <a:off x="6400800" y="1226005"/>
+            <a:ext cx="5663821" cy="5540991"/>
+          </a:xfrm>
+          <a:prstGeom prst="rect">
+            <a:avLst/>
+          </a:prstGeom>
+        </p:spPr>
+      </p:pic>
+    </p:spTree>
+    <p:extLst>
+      <p:ext uri="{BB962C8B-B14F-4D97-AF65-F5344CB8AC3E}">
+        <p14:creationId xmlns:p14="http://schemas.microsoft.com/office/powerpoint/2010/main" val="2604628786"/>
+      </p:ext>
+    </p:extLst>
+  </p:cSld>
+  <p:clrMapOvr>
+    <a:masterClrMapping/>
+  </p:clrMapOvr>
+</p:sld>
+</file>
+
+<file path=ppt/slides/slide5.xml><?xml version="1.0" encoding="utf-8"?>
+<p:sld xmlns:a="http://schemas.openxmlformats.org/drawingml/2006/main" xmlns:r="http://schemas.openxmlformats.org/officeDocument/2006/relationships" xmlns:p="http://schemas.openxmlformats.org/presentationml/2006/main">
+  <p:cSld>
+    <p:spTree>
+      <p:nvGrpSpPr>
+        <p:cNvPr id="1" name=""/>
+        <p:cNvGrpSpPr/>
+        <p:nvPr/>
+      </p:nvGrpSpPr>
+      <p:grpSpPr>
+        <a:xfrm>
+          <a:off x="0" y="0"/>
+          <a:ext cx="0" cy="0"/>
+          <a:chOff x="0" y="0"/>
+          <a:chExt cx="0" cy="0"/>
+        </a:xfrm>
+      </p:grpSpPr>
+      <p:pic>
+        <p:nvPicPr>
+          <p:cNvPr id="2" name="Imagen 1">
+            <a:extLst>
+              <a:ext uri="{FF2B5EF4-FFF2-40B4-BE49-F238E27FC236}">
+                <a16:creationId xmlns:a16="http://schemas.microsoft.com/office/drawing/2014/main" id="{E3F50B29-FDC1-4277-8DE4-0C0903E1F872}"/>
+              </a:ext>
+            </a:extLst>
+          </p:cNvPr>
+          <p:cNvPicPr>
+            <a:picLocks noChangeAspect="1"/>
+          </p:cNvPicPr>
+          <p:nvPr/>
+        </p:nvPicPr>
+        <p:blipFill rotWithShape="1">
+          <a:blip r:embed="rId2"/>
+          <a:srcRect l="24179" t="15904" r="25336" b="54828"/>
+          <a:stretch/>
+        </p:blipFill>
+        <p:spPr>
+          <a:xfrm>
+            <a:off x="2743200" y="109181"/>
+            <a:ext cx="6155141" cy="2006221"/>
+          </a:xfrm>
+          <a:prstGeom prst="rect">
+            <a:avLst/>
+          </a:prstGeom>
+        </p:spPr>
+      </p:pic>
+      <p:pic>
+        <p:nvPicPr>
+          <p:cNvPr id="4" name="Imagen 3">
+            <a:extLst>
+              <a:ext uri="{FF2B5EF4-FFF2-40B4-BE49-F238E27FC236}">
+                <a16:creationId xmlns:a16="http://schemas.microsoft.com/office/drawing/2014/main" id="{D55D46CA-57E2-40B1-ADCB-C771402AF1E3}"/>
+              </a:ext>
+            </a:extLst>
+          </p:cNvPr>
+          <p:cNvPicPr>
+            <a:picLocks noChangeAspect="1"/>
+          </p:cNvPicPr>
+          <p:nvPr/>
+        </p:nvPicPr>
+        <p:blipFill rotWithShape="1">
+          <a:blip r:embed="rId3"/>
+          <a:srcRect l="24068" t="22672" r="25448" b="23769"/>
+          <a:stretch/>
+        </p:blipFill>
+        <p:spPr>
+          <a:xfrm>
+            <a:off x="95534" y="2715903"/>
+            <a:ext cx="6155141" cy="3671248"/>
+          </a:xfrm>
+          <a:prstGeom prst="rect">
+            <a:avLst/>
+          </a:prstGeom>
+        </p:spPr>
+      </p:pic>
+      <p:pic>
+        <p:nvPicPr>
+          <p:cNvPr id="5" name="Imagen 4">
+            <a:extLst>
+              <a:ext uri="{FF2B5EF4-FFF2-40B4-BE49-F238E27FC236}">
+                <a16:creationId xmlns:a16="http://schemas.microsoft.com/office/drawing/2014/main" id="{2746D80A-2BBE-4C11-815E-BE8178C14B81}"/>
+              </a:ext>
+            </a:extLst>
+          </p:cNvPr>
+          <p:cNvPicPr>
+            <a:picLocks noChangeAspect="1"/>
+          </p:cNvPicPr>
+          <p:nvPr/>
+        </p:nvPicPr>
+        <p:blipFill rotWithShape="1">
+          <a:blip r:embed="rId4"/>
+          <a:srcRect l="24292" t="32628" r="25224" b="20782"/>
+          <a:stretch/>
+        </p:blipFill>
+        <p:spPr>
+          <a:xfrm>
+            <a:off x="6810232" y="2715903"/>
+            <a:ext cx="4890449" cy="3671248"/>
+          </a:xfrm>
+          <a:prstGeom prst="rect">
+            <a:avLst/>
+          </a:prstGeom>
+        </p:spPr>
+      </p:pic>
+    </p:spTree>
+    <p:extLst>
+      <p:ext uri="{BB962C8B-B14F-4D97-AF65-F5344CB8AC3E}">
+        <p14:creationId xmlns:p14="http://schemas.microsoft.com/office/powerpoint/2010/main" val="1602967621"/>
+      </p:ext>
+    </p:extLst>
+  </p:cSld>
+  <p:clrMapOvr>
+    <a:masterClrMapping/>
+  </p:clrMapOvr>
+</p:sld>
+</file>
+
+<file path=ppt/slides/slide6.xml><?xml version="1.0" encoding="utf-8"?>
+<p:sld xmlns:a="http://schemas.openxmlformats.org/drawingml/2006/main" xmlns:r="http://schemas.openxmlformats.org/officeDocument/2006/relationships" xmlns:p="http://schemas.openxmlformats.org/presentationml/2006/main">
+  <p:cSld>
+    <p:spTree>
+      <p:nvGrpSpPr>
+        <p:cNvPr id="1" name=""/>
+        <p:cNvGrpSpPr/>
+        <p:nvPr/>
+      </p:nvGrpSpPr>
+      <p:grpSpPr>
+        <a:xfrm>
+          <a:off x="0" y="0"/>
+          <a:ext cx="0" cy="0"/>
+          <a:chOff x="0" y="0"/>
+          <a:chExt cx="0" cy="0"/>
+        </a:xfrm>
+      </p:grpSpPr>
+      <p:sp>
+        <p:nvSpPr>
+          <p:cNvPr id="4" name="Título 3">
+            <a:extLst>
+              <a:ext uri="{FF2B5EF4-FFF2-40B4-BE49-F238E27FC236}">
+                <a16:creationId xmlns:a16="http://schemas.microsoft.com/office/drawing/2014/main" id="{F8070C33-73BB-4B85-A428-B3CEAD8EB931}"/>
+              </a:ext>
+            </a:extLst>
+          </p:cNvPr>
+          <p:cNvSpPr>
+            <a:spLocks noGrp="1"/>
+          </p:cNvSpPr>
+          <p:nvPr>
+            <p:ph type="title"/>
+          </p:nvPr>
+        </p:nvSpPr>
+        <p:spPr>
+          <a:xfrm>
+            <a:off x="1141412" y="327514"/>
+            <a:ext cx="9905998" cy="1478570"/>
+          </a:xfrm>
+        </p:spPr>
+        <p:txBody>
+          <a:bodyPr/>
+          <a:lstStyle/>
+          <a:p>
+            <a:r>
+              <a:rPr lang="es-AR" dirty="0"/>
+              <a:t>Realización del DER</a:t>
+            </a:r>
+          </a:p>
+        </p:txBody>
+      </p:sp>
+      <p:sp>
+        <p:nvSpPr>
+          <p:cNvPr id="5" name="Marcador de contenido 4">
+            <a:extLst>
+              <a:ext uri="{FF2B5EF4-FFF2-40B4-BE49-F238E27FC236}">
+                <a16:creationId xmlns:a16="http://schemas.microsoft.com/office/drawing/2014/main" id="{A888817C-9BE3-4569-B11D-F2DFFA83C751}"/>
+              </a:ext>
+            </a:extLst>
+          </p:cNvPr>
+          <p:cNvSpPr>
+            <a:spLocks noGrp="1"/>
+          </p:cNvSpPr>
+          <p:nvPr>
+            <p:ph idx="1"/>
+          </p:nvPr>
+        </p:nvSpPr>
+        <p:spPr>
+          <a:xfrm>
+            <a:off x="1048646" y="1658143"/>
+            <a:ext cx="9905999" cy="3541714"/>
+          </a:xfrm>
+        </p:spPr>
+        <p:txBody>
+          <a:bodyPr>
+            <a:normAutofit lnSpcReduction="10000"/>
+          </a:bodyPr>
+          <a:lstStyle/>
+          <a:p>
+            <a:r>
+              <a:rPr lang="es-AR" sz="2000" dirty="0"/>
+              <a:t>Antes de realizar el DER en </a:t>
+            </a:r>
+            <a:r>
+              <a:rPr lang="es-AR" sz="2000" dirty="0" err="1"/>
+              <a:t>MySql</a:t>
+            </a:r>
+            <a:r>
+              <a:rPr lang="es-AR" sz="2000" dirty="0"/>
+              <a:t>, lo haremos en el diagrama de clase:</a:t>
+            </a:r>
+          </a:p>
+          <a:p>
+            <a:r>
+              <a:rPr lang="es-AR" sz="2000" dirty="0"/>
+              <a:t> El alumno tendrá un apto físico que contiene el estado, la descripción y la fecha que se realizo. Siempre se tiene en cuenta que el alumno tiene un CUIT (uno para cada alumno), nombre y apellido, en la cual se relacionara con el curso que nos pedirá ingresar el año y división del alumno.</a:t>
+            </a:r>
+          </a:p>
+          <a:p>
+            <a:r>
+              <a:rPr lang="es-AR" sz="2000" dirty="0"/>
+              <a:t>También se da a conocer la obra social del alumno y en ella se ingresaría el domicilio, el numero de teléfono, el tipo de obra social que posee y la sigla.</a:t>
+            </a:r>
+          </a:p>
+          <a:p>
+            <a:r>
+              <a:rPr lang="es-AR" sz="2000" dirty="0"/>
+              <a:t>Luego tendríamos que crear una entidad del medico en la cual se almacenaría su matricula (uno por cada medico), nombre, apellido </a:t>
+            </a:r>
+          </a:p>
+          <a:p>
+            <a:endParaRPr lang="es-AR" sz="2000" dirty="0"/>
+          </a:p>
+          <a:p>
+            <a:endParaRPr lang="es-AR" dirty="0"/>
+          </a:p>
+        </p:txBody>
+      </p:sp>
+    </p:spTree>
+    <p:extLst>
+      <p:ext uri="{BB962C8B-B14F-4D97-AF65-F5344CB8AC3E}">
+        <p14:creationId xmlns:p14="http://schemas.microsoft.com/office/powerpoint/2010/main" val="1828992438"/>
+      </p:ext>
+    </p:extLst>
+  </p:cSld>
+  <p:clrMapOvr>
+    <a:masterClrMapping/>
+  </p:clrMapOvr>
+</p:sld>
+</file>
+
+<file path=ppt/slides/slide7.xml><?xml version="1.0" encoding="utf-8"?>
+<p:sld xmlns:a="http://schemas.openxmlformats.org/drawingml/2006/main" xmlns:r="http://schemas.openxmlformats.org/officeDocument/2006/relationships" xmlns:p="http://schemas.openxmlformats.org/presentationml/2006/main">
+  <p:cSld>
+    <p:spTree>
+      <p:nvGrpSpPr>
+        <p:cNvPr id="1" name=""/>
+        <p:cNvGrpSpPr/>
+        <p:nvPr/>
+      </p:nvGrpSpPr>
+      <p:grpSpPr>
+        <a:xfrm>
+          <a:off x="0" y="0"/>
+          <a:ext cx="0" cy="0"/>
+          <a:chOff x="0" y="0"/>
+          <a:chExt cx="0" cy="0"/>
+        </a:xfrm>
+      </p:grpSpPr>
+      <p:sp>
+        <p:nvSpPr>
+          <p:cNvPr id="2" name="Título 1">
+            <a:extLst>
+              <a:ext uri="{FF2B5EF4-FFF2-40B4-BE49-F238E27FC236}">
+                <a16:creationId xmlns:a16="http://schemas.microsoft.com/office/drawing/2014/main" id="{BB1DD03F-9F00-4E96-89C2-9D2CE8D6F1B6}"/>
+              </a:ext>
+            </a:extLst>
+          </p:cNvPr>
+          <p:cNvSpPr>
+            <a:spLocks noGrp="1"/>
+          </p:cNvSpPr>
+          <p:nvPr>
+            <p:ph type="title"/>
+          </p:nvPr>
+        </p:nvSpPr>
+        <p:spPr/>
+        <p:txBody>
+          <a:bodyPr/>
+          <a:lstStyle/>
+          <a:p>
+            <a:r>
+              <a:rPr lang="es-AR" dirty="0"/>
+              <a:t>Presentación del </a:t>
+            </a:r>
+            <a:r>
+              <a:rPr lang="es-AR" dirty="0" err="1"/>
+              <a:t>der</a:t>
+            </a:r>
+            <a:r>
+              <a:rPr lang="es-AR" dirty="0"/>
+              <a:t> </a:t>
+            </a:r>
+          </a:p>
+        </p:txBody>
+      </p:sp>
+      <p:sp>
+        <p:nvSpPr>
+          <p:cNvPr id="5" name="Marcador de texto 4">
+            <a:extLst>
+              <a:ext uri="{FF2B5EF4-FFF2-40B4-BE49-F238E27FC236}">
+                <a16:creationId xmlns:a16="http://schemas.microsoft.com/office/drawing/2014/main" id="{EDE02B5B-88F6-489C-9A65-40EC74A1DAFF}"/>
+              </a:ext>
+            </a:extLst>
+          </p:cNvPr>
+          <p:cNvSpPr>
+            <a:spLocks noGrp="1"/>
+          </p:cNvSpPr>
+          <p:nvPr>
+            <p:ph type="body" sz="half" idx="2"/>
+          </p:nvPr>
+        </p:nvSpPr>
+        <p:spPr>
+          <a:xfrm>
+            <a:off x="1141413" y="2249486"/>
+            <a:ext cx="5934511" cy="3541714"/>
+          </a:xfrm>
+        </p:spPr>
+        <p:txBody>
+          <a:bodyPr>
+            <a:normAutofit/>
+          </a:bodyPr>
+          <a:lstStyle/>
+          <a:p>
+            <a:r>
+              <a:rPr lang="es-AR" sz="2000" dirty="0"/>
+              <a:t>Al terminar el diagrama de clases, empezamos a realizarlo en el </a:t>
+            </a:r>
+            <a:r>
+              <a:rPr lang="es-AR" sz="2000" dirty="0" err="1"/>
+              <a:t>MySql</a:t>
+            </a:r>
+            <a:r>
+              <a:rPr lang="es-AR" sz="2000" dirty="0"/>
+              <a:t> colocando la entidad Alumno, Medico, </a:t>
+            </a:r>
+            <a:r>
+              <a:rPr lang="es-AR" sz="2000" dirty="0" err="1"/>
+              <a:t>ObraSocial</a:t>
+            </a:r>
+            <a:r>
+              <a:rPr lang="es-AR" sz="2000" dirty="0"/>
+              <a:t> y Curso,  relacionándolos uno por uno (Por ejemplo: Que en un medico haga muchos aptos y que muchos aptos se realicen por un medico)</a:t>
+            </a:r>
+          </a:p>
+        </p:txBody>
+      </p:sp>
+      <p:pic>
+        <p:nvPicPr>
+          <p:cNvPr id="1026" name="Picture 2" descr="https://scontent.faep5-1.fna.fbcdn.net/v/t1.15752-9/44754018_343522859544641_5425247571268337664_n.jpg?_nc_cat=109&amp;_nc_ht=scontent.faep5-1.fna&amp;oh=b6a2baf8319433c378295b8d04194f14&amp;oe=5C429E26">
+            <a:extLst>
+              <a:ext uri="{FF2B5EF4-FFF2-40B4-BE49-F238E27FC236}">
+                <a16:creationId xmlns:a16="http://schemas.microsoft.com/office/drawing/2014/main" id="{12321FDD-3E7A-40EC-A8A6-D4DF3238D859}"/>
+              </a:ext>
+            </a:extLst>
+          </p:cNvPr>
+          <p:cNvPicPr>
+            <a:picLocks noGrp="1" noChangeAspect="1" noChangeArrowheads="1"/>
+          </p:cNvPicPr>
+          <p:nvPr>
+            <p:ph type="pic" idx="1"/>
+          </p:nvPr>
+        </p:nvPicPr>
+        <p:blipFill>
+          <a:blip r:embed="rId2">
+            <a:extLst>
+              <a:ext uri="{28A0092B-C50C-407E-A947-70E740481C1C}">
+                <a14:useLocalDpi xmlns:a14="http://schemas.microsoft.com/office/drawing/2010/main" val="0"/>
+              </a:ext>
+            </a:extLst>
+          </a:blip>
+          <a:srcRect t="1208" b="1208"/>
+          <a:stretch>
+            <a:fillRect/>
+          </a:stretch>
+        </p:blipFill>
+        <p:spPr bwMode="auto">
+          <a:xfrm>
+            <a:off x="7075921" y="1219201"/>
+            <a:ext cx="3666690" cy="5181599"/>
+          </a:xfrm>
+          <a:prstGeom prst="rect">
+            <a:avLst/>
+          </a:prstGeom>
+          <a:noFill/>
+          <a:extLst>
+            <a:ext uri="{909E8E84-426E-40DD-AFC4-6F175D3DCCD1}">
+              <a14:hiddenFill xmlns:a14="http://schemas.microsoft.com/office/drawing/2010/main">
+                <a:solidFill>
+                  <a:srgbClr val="FFFFFF"/>
+                </a:solidFill>
+              </a14:hiddenFill>
+            </a:ext>
+          </a:extLst>
+        </p:spPr>
+      </p:pic>
+    </p:spTree>
+    <p:extLst>
+      <p:ext uri="{BB962C8B-B14F-4D97-AF65-F5344CB8AC3E}">
+        <p14:creationId xmlns:p14="http://schemas.microsoft.com/office/powerpoint/2010/main" val="693068627"/>
+      </p:ext>
+    </p:extLst>
+  </p:cSld>
+  <p:clrMapOvr>
+    <a:masterClrMapping/>
+  </p:clrMapOvr>
+</p:sld>
+</file>
+
+<file path=ppt/slides/slide8.xml><?xml version="1.0" encoding="utf-8"?>
+<p:sld xmlns:a="http://schemas.openxmlformats.org/drawingml/2006/main" xmlns:r="http://schemas.openxmlformats.org/officeDocument/2006/relationships" xmlns:p="http://schemas.openxmlformats.org/presentationml/2006/main">
+  <p:cSld>
+    <p:spTree>
+      <p:nvGrpSpPr>
+        <p:cNvPr id="1" name=""/>
+        <p:cNvGrpSpPr/>
+        <p:nvPr/>
+      </p:nvGrpSpPr>
+      <p:grpSpPr>
+        <a:xfrm>
+          <a:off x="0" y="0"/>
+          <a:ext cx="0" cy="0"/>
+          <a:chOff x="0" y="0"/>
+          <a:chExt cx="0" cy="0"/>
+        </a:xfrm>
+      </p:grpSpPr>
+      <p:sp>
+        <p:nvSpPr>
+          <p:cNvPr id="8" name="Título 7">
+            <a:extLst>
+              <a:ext uri="{FF2B5EF4-FFF2-40B4-BE49-F238E27FC236}">
+                <a16:creationId xmlns:a16="http://schemas.microsoft.com/office/drawing/2014/main" id="{A786FD28-0AC4-4C0E-9884-B13EF0A9A1E0}"/>
+              </a:ext>
+            </a:extLst>
+          </p:cNvPr>
+          <p:cNvSpPr>
+            <a:spLocks noGrp="1"/>
+          </p:cNvSpPr>
+          <p:nvPr>
+            <p:ph type="title"/>
+          </p:nvPr>
+        </p:nvSpPr>
+        <p:spPr/>
+        <p:txBody>
+          <a:bodyPr/>
+          <a:lstStyle/>
+          <a:p>
+            <a:r>
+              <a:rPr lang="es-AR" dirty="0"/>
+              <a:t>Presentación del </a:t>
+            </a:r>
+            <a:r>
+              <a:rPr lang="es-AR" dirty="0" err="1"/>
+              <a:t>der</a:t>
+            </a:r>
+            <a:endParaRPr lang="es-AR" dirty="0"/>
+          </a:p>
+        </p:txBody>
+      </p:sp>
+      <p:sp>
+        <p:nvSpPr>
+          <p:cNvPr id="10" name="Marcador de texto 9">
+            <a:extLst>
+              <a:ext uri="{FF2B5EF4-FFF2-40B4-BE49-F238E27FC236}">
+                <a16:creationId xmlns:a16="http://schemas.microsoft.com/office/drawing/2014/main" id="{F2C76CF2-E846-4A26-92E4-C5314E21E0AA}"/>
+              </a:ext>
+            </a:extLst>
+          </p:cNvPr>
+          <p:cNvSpPr>
+            <a:spLocks noGrp="1"/>
+          </p:cNvSpPr>
+          <p:nvPr>
+            <p:ph type="body" sz="half" idx="2"/>
+          </p:nvPr>
+        </p:nvSpPr>
+        <p:spPr/>
+        <p:txBody>
+          <a:bodyPr>
+            <a:normAutofit/>
+          </a:bodyPr>
+          <a:lstStyle/>
+          <a:p>
+            <a:r>
+              <a:rPr lang="es-AR" sz="2000" dirty="0"/>
+              <a:t>Al guardar el DER como un archivo .</a:t>
+            </a:r>
+            <a:r>
+              <a:rPr lang="es-AR" sz="2000" dirty="0" err="1"/>
+              <a:t>jpg</a:t>
+            </a:r>
+            <a:r>
+              <a:rPr lang="es-AR" sz="2000" dirty="0"/>
+              <a:t>, lo enviamos al </a:t>
+            </a:r>
+            <a:r>
+              <a:rPr lang="es-AR" sz="2000" dirty="0" err="1"/>
+              <a:t>trello</a:t>
+            </a:r>
+            <a:r>
+              <a:rPr lang="es-AR" sz="2000" dirty="0"/>
+              <a:t>. Una semana después al presentarlo, tuvimos que modificarlo, y crear nuevas entidades para que el usuario pueda acceder a la pagina con su correo</a:t>
+            </a:r>
+          </a:p>
+          <a:p>
+            <a:r>
+              <a:rPr lang="es-AR" sz="2000" dirty="0"/>
+              <a:t>El primero es el Usuario en la cual se almacenara el </a:t>
+            </a:r>
+            <a:r>
+              <a:rPr lang="es-AR" sz="2000" dirty="0" err="1"/>
+              <a:t>username</a:t>
+            </a:r>
+            <a:r>
+              <a:rPr lang="es-AR" sz="2000" dirty="0"/>
+              <a:t> (nombre de usurario), </a:t>
+            </a:r>
+            <a:r>
+              <a:rPr lang="es-AR" sz="2000" dirty="0" err="1"/>
+              <a:t>Password</a:t>
+            </a:r>
+            <a:r>
+              <a:rPr lang="es-AR" sz="2000" dirty="0"/>
+              <a:t> (contraseña), también un </a:t>
+            </a:r>
+            <a:r>
+              <a:rPr lang="es-AR" sz="2000" dirty="0" err="1"/>
+              <a:t>login</a:t>
+            </a:r>
+            <a:r>
+              <a:rPr lang="es-AR" sz="2000" dirty="0"/>
+              <a:t> en la cual ayudaría al usuario a que ingrese a su cuenta, en ella se almacenaría el estado </a:t>
+            </a:r>
+          </a:p>
+        </p:txBody>
+      </p:sp>
+      <p:pic>
+        <p:nvPicPr>
+          <p:cNvPr id="2050" name="Picture 2" descr="https://scontent.faep5-1.fna.fbcdn.net/v/t1.15752-9/44787253_1164881137011505_3247788092379103232_n.jpg?_nc_cat=102&amp;_nc_ht=scontent.faep5-1.fna&amp;oh=e6a1497f1940c3bdd04ecd1415732051&amp;oe=5C5557DF">
+            <a:extLst>
+              <a:ext uri="{FF2B5EF4-FFF2-40B4-BE49-F238E27FC236}">
+                <a16:creationId xmlns:a16="http://schemas.microsoft.com/office/drawing/2014/main" id="{5712397C-77A3-4DD5-ADC6-933943DD0B7A}"/>
+              </a:ext>
+            </a:extLst>
+          </p:cNvPr>
+          <p:cNvPicPr>
+            <a:picLocks noGrp="1" noChangeAspect="1" noChangeArrowheads="1"/>
+          </p:cNvPicPr>
+          <p:nvPr>
+            <p:ph type="pic" idx="1"/>
+          </p:nvPr>
+        </p:nvPicPr>
+        <p:blipFill>
+          <a:blip r:embed="rId2">
+            <a:extLst>
+              <a:ext uri="{28A0092B-C50C-407E-A947-70E740481C1C}">
+                <a14:useLocalDpi xmlns:a14="http://schemas.microsoft.com/office/drawing/2010/main" val="0"/>
+              </a:ext>
+            </a:extLst>
+          </a:blip>
+          <a:srcRect t="13424" b="13424"/>
+          <a:stretch>
+            <a:fillRect/>
+          </a:stretch>
+        </p:blipFill>
+        <p:spPr bwMode="auto">
+          <a:prstGeom prst="rect">
+            <a:avLst/>
+          </a:prstGeom>
+          <a:noFill/>
+          <a:extLst>
+            <a:ext uri="{909E8E84-426E-40DD-AFC4-6F175D3DCCD1}">
+              <a14:hiddenFill xmlns:a14="http://schemas.microsoft.com/office/drawing/2010/main">
+                <a:solidFill>
+                  <a:srgbClr val="FFFFFF"/>
+                </a:solidFill>
+              </a14:hiddenFill>
+            </a:ext>
+          </a:extLst>
+        </p:spPr>
+      </p:pic>
+    </p:spTree>
+    <p:extLst>
+      <p:ext uri="{BB962C8B-B14F-4D97-AF65-F5344CB8AC3E}">
+        <p14:creationId xmlns:p14="http://schemas.microsoft.com/office/powerpoint/2010/main" val="421970807"/>
+      </p:ext>
+    </p:extLst>
+  </p:cSld>
+  <p:clrMapOvr>
+    <a:masterClrMapping/>
+  </p:clrMapOvr>
+</p:sld>
+</file>
+
+<file path=ppt/slides/slide9.xml><?xml version="1.0" encoding="utf-8"?>
+<p:sld xmlns:a="http://schemas.openxmlformats.org/drawingml/2006/main" xmlns:r="http://schemas.openxmlformats.org/officeDocument/2006/relationships" xmlns:p="http://schemas.openxmlformats.org/presentationml/2006/main">
+  <p:cSld>
+    <p:spTree>
+      <p:nvGrpSpPr>
+        <p:cNvPr id="1" name=""/>
+        <p:cNvGrpSpPr/>
+        <p:nvPr/>
+      </p:nvGrpSpPr>
+      <p:grpSpPr>
+        <a:xfrm>
+          <a:off x="0" y="0"/>
+          <a:ext cx="0" cy="0"/>
+          <a:chOff x="0" y="0"/>
+          <a:chExt cx="0" cy="0"/>
+        </a:xfrm>
+      </p:grpSpPr>
+      <p:sp>
+        <p:nvSpPr>
+          <p:cNvPr id="5" name="Título 4">
+            <a:extLst>
+              <a:ext uri="{FF2B5EF4-FFF2-40B4-BE49-F238E27FC236}">
+                <a16:creationId xmlns:a16="http://schemas.microsoft.com/office/drawing/2014/main" id="{83237E18-E7AD-4DB4-BD2F-2A82AB5D15AA}"/>
+              </a:ext>
+            </a:extLst>
+          </p:cNvPr>
+          <p:cNvSpPr>
+            <a:spLocks noGrp="1"/>
+          </p:cNvSpPr>
+          <p:nvPr>
+            <p:ph type="title"/>
+          </p:nvPr>
+        </p:nvSpPr>
+        <p:spPr/>
+        <p:txBody>
+          <a:bodyPr/>
+          <a:lstStyle/>
+          <a:p>
+            <a:r>
+              <a:rPr lang="es-AR" dirty="0"/>
+              <a:t>Realización del </a:t>
+            </a:r>
+            <a:r>
+              <a:rPr lang="es-AR" dirty="0" err="1"/>
+              <a:t>dll</a:t>
+            </a:r>
+            <a:endParaRPr lang="es-AR" dirty="0"/>
+          </a:p>
+        </p:txBody>
+      </p:sp>
+      <p:sp>
+        <p:nvSpPr>
+          <p:cNvPr id="8" name="Marcador de texto 7">
+            <a:extLst>
+              <a:ext uri="{FF2B5EF4-FFF2-40B4-BE49-F238E27FC236}">
+                <a16:creationId xmlns:a16="http://schemas.microsoft.com/office/drawing/2014/main" id="{12FCF705-7D28-4CE2-AC7D-0CB8747534B7}"/>
+              </a:ext>
+            </a:extLst>
+          </p:cNvPr>
+          <p:cNvSpPr>
+            <a:spLocks noGrp="1"/>
+          </p:cNvSpPr>
+          <p:nvPr>
+            <p:ph idx="1"/>
+          </p:nvPr>
+        </p:nvSpPr>
+        <p:spPr/>
+        <p:txBody>
+          <a:bodyPr/>
+          <a:lstStyle/>
+          <a:p>
+            <a:r>
+              <a:rPr lang="es-AR" dirty="0"/>
+              <a:t>Al finalizar el DER, tuvimos que dar de alta la base de datos con el DLL (Dynamic Link Library, Librería de enlace </a:t>
+            </a:r>
+            <a:r>
+              <a:rPr lang="es-AR" dirty="0" err="1"/>
+              <a:t>dinamica</a:t>
+            </a:r>
+            <a:r>
+              <a:rPr lang="es-AR" dirty="0"/>
+              <a:t>), con el </a:t>
+            </a:r>
+            <a:r>
+              <a:rPr lang="es-AR" dirty="0" err="1"/>
+              <a:t>Sp</a:t>
+            </a:r>
+            <a:r>
+              <a:rPr lang="es-AR" dirty="0"/>
+              <a:t> (Store </a:t>
+            </a:r>
+            <a:r>
+              <a:rPr lang="es-AR" dirty="0" err="1"/>
+              <a:t>Procedure</a:t>
+            </a:r>
+            <a:r>
+              <a:rPr lang="es-AR" dirty="0"/>
+              <a:t>) y con el CF (</a:t>
+            </a:r>
+            <a:r>
+              <a:rPr lang="es-AR" dirty="0" err="1"/>
+              <a:t>Create</a:t>
+            </a:r>
+            <a:r>
+              <a:rPr lang="es-AR" dirty="0"/>
+              <a:t> </a:t>
+            </a:r>
+            <a:r>
+              <a:rPr lang="es-AR" dirty="0" err="1"/>
+              <a:t>Function</a:t>
+            </a:r>
+            <a:r>
+              <a:rPr lang="es-AR" dirty="0"/>
+              <a:t>) </a:t>
+            </a:r>
+          </a:p>
+          <a:p>
+            <a:endParaRPr lang="es-AR" dirty="0"/>
+          </a:p>
+        </p:txBody>
+      </p:sp>
+    </p:spTree>
+    <p:extLst>
+      <p:ext uri="{BB962C8B-B14F-4D97-AF65-F5344CB8AC3E}">
+        <p14:creationId xmlns:p14="http://schemas.microsoft.com/office/powerpoint/2010/main" val="849789774"/>
+      </p:ext>
+    </p:extLst>
+  </p:cSld>
+  <p:clrMapOvr>
+    <a:masterClrMapping/>
+  </p:clrMapOvr>
 </p:sld>
 </file>
 
